--- a/Foundation Project_PP.pptx
+++ b/Foundation Project_PP.pptx
@@ -5,7 +5,7 @@
     <p:sldMasterId id="2147483648" r:id="rId4"/>
   </p:sldMasterIdLst>
   <p:notesMasterIdLst>
-    <p:notesMasterId r:id="rId16"/>
+    <p:notesMasterId r:id="rId15"/>
   </p:notesMasterIdLst>
   <p:sldIdLst>
     <p:sldId id="256" r:id="rId5"/>
@@ -17,8 +17,7 @@
     <p:sldId id="278" r:id="rId11"/>
     <p:sldId id="273" r:id="rId12"/>
     <p:sldId id="266" r:id="rId13"/>
-    <p:sldId id="267" r:id="rId14"/>
-    <p:sldId id="275" r:id="rId15"/>
+    <p:sldId id="275" r:id="rId14"/>
   </p:sldIdLst>
   <p:sldSz cx="12192000" cy="6858000"/>
   <p:notesSz cx="6858000" cy="9144000"/>
@@ -137,6 +136,42 @@
 </p:cmAuthorLst>
 </file>
 
+<file path=ppt/changesInfos/changesInfo1.xml><?xml version="1.0" encoding="utf-8"?>
+<pc:chgInfo xmlns:a="http://schemas.openxmlformats.org/drawingml/2006/main" xmlns:r="http://schemas.openxmlformats.org/officeDocument/2006/relationships" xmlns:ac="http://schemas.microsoft.com/office/drawing/2013/main/command" xmlns:pc="http://schemas.microsoft.com/office/powerpoint/2013/main/command">
+  <pc:docChgLst>
+    <pc:chgData name="Suirravin40@outlook.com" userId="e6d8cc50914abe85" providerId="LiveId" clId="{6A356551-6096-4E2B-B44C-C0F810185208}"/>
+    <pc:docChg chg="delSld modSld">
+      <pc:chgData name="Suirravin40@outlook.com" userId="e6d8cc50914abe85" providerId="LiveId" clId="{6A356551-6096-4E2B-B44C-C0F810185208}" dt="2022-06-22T19:30:37.478" v="34" actId="2696"/>
+      <pc:docMkLst>
+        <pc:docMk/>
+      </pc:docMkLst>
+      <pc:sldChg chg="modSp mod">
+        <pc:chgData name="Suirravin40@outlook.com" userId="e6d8cc50914abe85" providerId="LiveId" clId="{6A356551-6096-4E2B-B44C-C0F810185208}" dt="2022-06-22T15:44:59.282" v="33" actId="20577"/>
+        <pc:sldMkLst>
+          <pc:docMk/>
+          <pc:sldMk cId="1639799154" sldId="258"/>
+        </pc:sldMkLst>
+        <pc:spChg chg="mod">
+          <ac:chgData name="Suirravin40@outlook.com" userId="e6d8cc50914abe85" providerId="LiveId" clId="{6A356551-6096-4E2B-B44C-C0F810185208}" dt="2022-06-22T15:44:59.282" v="33" actId="20577"/>
+          <ac:spMkLst>
+            <pc:docMk/>
+            <pc:sldMk cId="1639799154" sldId="258"/>
+            <ac:spMk id="3" creationId="{95B371F2-DBA5-415A-82C8-651F587B857A}"/>
+          </ac:spMkLst>
+        </pc:spChg>
+      </pc:sldChg>
+      <pc:sldChg chg="del">
+        <pc:chgData name="Suirravin40@outlook.com" userId="e6d8cc50914abe85" providerId="LiveId" clId="{6A356551-6096-4E2B-B44C-C0F810185208}" dt="2022-06-22T19:30:37.478" v="34" actId="2696"/>
+        <pc:sldMkLst>
+          <pc:docMk/>
+          <pc:sldMk cId="445070695" sldId="267"/>
+        </pc:sldMkLst>
+      </pc:sldChg>
+    </pc:docChg>
+  </pc:docChgLst>
+</pc:chgInfo>
+</file>
+
 <file path=ppt/notesMasters/notesMaster1.xml><?xml version="1.0" encoding="utf-8"?>
 <p:notesMaster xmlns:a="http://schemas.openxmlformats.org/drawingml/2006/main" xmlns:r="http://schemas.openxmlformats.org/officeDocument/2006/relationships" xmlns:p="http://schemas.openxmlformats.org/presentationml/2006/main">
   <p:cSld>
@@ -219,7 +254,7 @@
           <a:p>
             <a:fld id="{7487ADD9-2083-264C-A652-8D52D02F7E72}" type="datetimeFigureOut">
               <a:rPr lang="en-US" smtClean="0"/>
-              <a:t>6/21/2022</a:t>
+              <a:t>6/22/2022</a:t>
             </a:fld>
             <a:endParaRPr lang="en-US" dirty="0"/>
           </a:p>
@@ -1876,7 +1911,7 @@
             <a:fld id="{5F02DCD1-2C6B-F948-9F72-3BB0CF3D512E}" type="datetime1">
               <a:rPr lang="en-US" smtClean="0"/>
               <a:pPr/>
-              <a:t>6/21/2022</a:t>
+              <a:t>6/22/2022</a:t>
             </a:fld>
             <a:endParaRPr lang="en-US" dirty="0"/>
           </a:p>
@@ -2761,7 +2796,7 @@
             <a:fld id="{C1583C39-01BF-7F43-854C-FBB4E9AB6B0C}" type="datetime1">
               <a:rPr lang="en-US" smtClean="0"/>
               <a:pPr/>
-              <a:t>6/21/2022</a:t>
+              <a:t>6/22/2022</a:t>
             </a:fld>
             <a:endParaRPr lang="en-US" dirty="0"/>
           </a:p>
@@ -3938,7 +3973,7 @@
             <a:fld id="{4B103E64-1627-9140-8127-1849FED275E1}" type="datetime1">
               <a:rPr lang="en-US" smtClean="0"/>
               <a:pPr/>
-              <a:t>6/21/2022</a:t>
+              <a:t>6/22/2022</a:t>
             </a:fld>
             <a:endParaRPr lang="en-US" dirty="0"/>
           </a:p>
@@ -6018,7 +6053,7 @@
             <a:fld id="{DD9C8446-696E-6942-B6C8-CC9CAD0B34E0}" type="datetime1">
               <a:rPr lang="en-US" smtClean="0"/>
               <a:pPr/>
-              <a:t>6/21/2022</a:t>
+              <a:t>6/22/2022</a:t>
             </a:fld>
             <a:endParaRPr lang="en-US" dirty="0"/>
           </a:p>
@@ -6736,7 +6771,7 @@
             <a:fld id="{F5592931-05C6-8543-8B6E-A8BD29BD5C2B}" type="datetime1">
               <a:rPr lang="en-US" smtClean="0"/>
               <a:pPr/>
-              <a:t>6/21/2022</a:t>
+              <a:t>6/22/2022</a:t>
             </a:fld>
             <a:endParaRPr lang="en-US" dirty="0"/>
           </a:p>
@@ -7964,7 +7999,7 @@
             <a:fld id="{7E7AB22C-8B7E-9B4A-8C65-396C3C874D86}" type="datetime1">
               <a:rPr lang="en-US" smtClean="0"/>
               <a:pPr/>
-              <a:t>6/21/2022</a:t>
+              <a:t>6/22/2022</a:t>
             </a:fld>
             <a:endParaRPr lang="en-US" dirty="0"/>
           </a:p>
@@ -8556,7 +8591,7 @@
             <a:fld id="{8CE9AC2A-20AD-8C48-B5EB-B5322BDBCDEE}" type="datetime1">
               <a:rPr lang="en-US" smtClean="0"/>
               <a:pPr/>
-              <a:t>6/21/2022</a:t>
+              <a:t>6/22/2022</a:t>
             </a:fld>
             <a:endParaRPr lang="en-US" dirty="0"/>
           </a:p>
@@ -9029,7 +9064,7 @@
             <a:fld id="{4CF75428-5BE0-934D-BB71-675F8E23A386}" type="datetime1">
               <a:rPr lang="en-US" smtClean="0"/>
               <a:pPr/>
-              <a:t>6/21/2022</a:t>
+              <a:t>6/22/2022</a:t>
             </a:fld>
             <a:endParaRPr lang="en-US" dirty="0"/>
           </a:p>
@@ -9879,7 +9914,7 @@
             <a:fld id="{9A85C5CA-AE29-AB4C-8F85-0373C72001D8}" type="datetime1">
               <a:rPr lang="en-US" smtClean="0"/>
               <a:pPr/>
-              <a:t>6/21/2022</a:t>
+              <a:t>6/22/2022</a:t>
             </a:fld>
             <a:endParaRPr lang="en-US" dirty="0"/>
           </a:p>
@@ -12104,7 +12139,7 @@
             <a:fld id="{75594855-01E8-5A4B-B2B8-E2ECEF879100}" type="datetime1">
               <a:rPr lang="en-US" smtClean="0"/>
               <a:pPr/>
-              <a:t>6/21/2022</a:t>
+              <a:t>6/22/2022</a:t>
             </a:fld>
             <a:endParaRPr lang="en-US" dirty="0"/>
           </a:p>
@@ -12373,7 +12408,7 @@
             <a:fld id="{B562DF68-3089-814D-8A14-C651FE91885E}" type="datetime1">
               <a:rPr lang="en-US" smtClean="0"/>
               <a:pPr/>
-              <a:t>6/21/2022</a:t>
+              <a:t>6/22/2022</a:t>
             </a:fld>
             <a:endParaRPr lang="en-US" dirty="0"/>
           </a:p>
@@ -12986,210 +13021,6 @@
           <p:cNvPr id="2" name="Title 1">
             <a:extLst>
               <a:ext uri="{FF2B5EF4-FFF2-40B4-BE49-F238E27FC236}">
-                <a16:creationId xmlns:a16="http://schemas.microsoft.com/office/drawing/2014/main" id="{42D1A202-23A3-4F3A-AA92-0172C8D2DA06}"/>
-              </a:ext>
-            </a:extLst>
-          </p:cNvPr>
-          <p:cNvSpPr>
-            <a:spLocks noGrp="1"/>
-          </p:cNvSpPr>
-          <p:nvPr>
-            <p:ph type="title"/>
-          </p:nvPr>
-        </p:nvSpPr>
-        <p:spPr>
-          <a:xfrm>
-            <a:off x="1167492" y="381000"/>
-            <a:ext cx="9779183" cy="1325563"/>
-          </a:xfrm>
-        </p:spPr>
-        <p:txBody>
-          <a:bodyPr/>
-          <a:lstStyle/>
-          <a:p>
-            <a:r>
-              <a:rPr lang="en-US" dirty="0"/>
-              <a:t>Summary </a:t>
-            </a:r>
-          </a:p>
-        </p:txBody>
-      </p:sp>
-      <p:sp>
-        <p:nvSpPr>
-          <p:cNvPr id="3" name="Content Placeholder 2">
-            <a:extLst>
-              <a:ext uri="{FF2B5EF4-FFF2-40B4-BE49-F238E27FC236}">
-                <a16:creationId xmlns:a16="http://schemas.microsoft.com/office/drawing/2014/main" id="{7B943E7C-A74D-4CB3-844B-51917C88C95F}"/>
-              </a:ext>
-            </a:extLst>
-          </p:cNvPr>
-          <p:cNvSpPr>
-            <a:spLocks noGrp="1"/>
-          </p:cNvSpPr>
-          <p:nvPr>
-            <p:ph type="body" idx="1"/>
-          </p:nvPr>
-        </p:nvSpPr>
-        <p:spPr>
-          <a:xfrm>
-            <a:off x="1167492" y="2653167"/>
-            <a:ext cx="9779183" cy="3436483"/>
-          </a:xfrm>
-        </p:spPr>
-        <p:txBody>
-          <a:bodyPr vert="horz" lIns="91440" tIns="45720" rIns="91440" bIns="45720" rtlCol="0" anchor="t">
-            <a:normAutofit/>
-          </a:bodyPr>
-          <a:lstStyle/>
-          <a:p>
-            <a:r>
-              <a:rPr lang="en-US" dirty="0"/>
-              <a:t>Okay! I have shown you the capabilities of my movie project, and how it came about by using Python and MySQL.</a:t>
-            </a:r>
-          </a:p>
-          <a:p>
-            <a:endParaRPr lang="en-US" dirty="0"/>
-          </a:p>
-        </p:txBody>
-      </p:sp>
-      <p:sp>
-        <p:nvSpPr>
-          <p:cNvPr id="4" name="Date Placeholder 3">
-            <a:extLst>
-              <a:ext uri="{FF2B5EF4-FFF2-40B4-BE49-F238E27FC236}">
-                <a16:creationId xmlns:a16="http://schemas.microsoft.com/office/drawing/2014/main" id="{3A738329-E174-7440-8FD5-179A15324C63}"/>
-              </a:ext>
-            </a:extLst>
-          </p:cNvPr>
-          <p:cNvSpPr>
-            <a:spLocks noGrp="1"/>
-          </p:cNvSpPr>
-          <p:nvPr>
-            <p:ph type="dt" sz="half" idx="10"/>
-          </p:nvPr>
-        </p:nvSpPr>
-        <p:spPr>
-          <a:xfrm>
-            <a:off x="381000" y="6356350"/>
-            <a:ext cx="2743200" cy="365125"/>
-          </a:xfrm>
-        </p:spPr>
-        <p:txBody>
-          <a:bodyPr/>
-          <a:lstStyle/>
-          <a:p>
-            <a:fld id="{7FA0C2EE-8499-394A-A22C-DABDB4752AEE}" type="datetime1">
-              <a:rPr lang="en-US" smtClean="0"/>
-              <a:pPr/>
-              <a:t>6/21/2022</a:t>
-            </a:fld>
-            <a:endParaRPr lang="en-US" dirty="0"/>
-          </a:p>
-        </p:txBody>
-      </p:sp>
-      <p:sp>
-        <p:nvSpPr>
-          <p:cNvPr id="5" name="Footer Placeholder 4">
-            <a:extLst>
-              <a:ext uri="{FF2B5EF4-FFF2-40B4-BE49-F238E27FC236}">
-                <a16:creationId xmlns:a16="http://schemas.microsoft.com/office/drawing/2014/main" id="{03FD8152-D9C3-204A-9444-45CD4F180EB4}"/>
-              </a:ext>
-            </a:extLst>
-          </p:cNvPr>
-          <p:cNvSpPr>
-            <a:spLocks noGrp="1"/>
-          </p:cNvSpPr>
-          <p:nvPr>
-            <p:ph type="ftr" sz="quarter" idx="11"/>
-          </p:nvPr>
-        </p:nvSpPr>
-        <p:spPr>
-          <a:xfrm>
-            <a:off x="4038600" y="6356350"/>
-            <a:ext cx="4114800" cy="365125"/>
-          </a:xfrm>
-        </p:spPr>
-        <p:txBody>
-          <a:bodyPr/>
-          <a:lstStyle/>
-          <a:p>
-            <a:r>
-              <a:rPr lang="en-US" dirty="0"/>
-              <a:t>Foundation Project</a:t>
-            </a:r>
-          </a:p>
-        </p:txBody>
-      </p:sp>
-      <p:sp>
-        <p:nvSpPr>
-          <p:cNvPr id="6" name="Slide Number Placeholder 5">
-            <a:extLst>
-              <a:ext uri="{FF2B5EF4-FFF2-40B4-BE49-F238E27FC236}">
-                <a16:creationId xmlns:a16="http://schemas.microsoft.com/office/drawing/2014/main" id="{B25B7362-01DC-0E4C-9B34-0DF3FD449CAD}"/>
-              </a:ext>
-            </a:extLst>
-          </p:cNvPr>
-          <p:cNvSpPr>
-            <a:spLocks noGrp="1"/>
-          </p:cNvSpPr>
-          <p:nvPr>
-            <p:ph type="sldNum" sz="quarter" idx="12"/>
-          </p:nvPr>
-        </p:nvSpPr>
-        <p:spPr>
-          <a:xfrm>
-            <a:off x="10206318" y="6356350"/>
-            <a:ext cx="1604682" cy="365125"/>
-          </a:xfrm>
-        </p:spPr>
-        <p:txBody>
-          <a:bodyPr/>
-          <a:lstStyle/>
-          <a:p>
-            <a:fld id="{294A09A9-5501-47C1-A89A-A340965A2BE2}" type="slidenum">
-              <a:rPr lang="en-US" smtClean="0"/>
-              <a:pPr/>
-              <a:t>10</a:t>
-            </a:fld>
-            <a:endParaRPr lang="en-US" dirty="0"/>
-          </a:p>
-        </p:txBody>
-      </p:sp>
-    </p:spTree>
-    <p:extLst>
-      <p:ext uri="{BB962C8B-B14F-4D97-AF65-F5344CB8AC3E}">
-        <p14:creationId xmlns:p14="http://schemas.microsoft.com/office/powerpoint/2010/main" val="445070695"/>
-      </p:ext>
-    </p:extLst>
-  </p:cSld>
-  <p:clrMapOvr>
-    <a:masterClrMapping/>
-  </p:clrMapOvr>
-</p:sld>
-</file>
-
-<file path=ppt/slides/slide11.xml><?xml version="1.0" encoding="utf-8"?>
-<p:sld xmlns:a="http://schemas.openxmlformats.org/drawingml/2006/main" xmlns:r="http://schemas.openxmlformats.org/officeDocument/2006/relationships" xmlns:p="http://schemas.openxmlformats.org/presentationml/2006/main">
-  <p:cSld>
-    <p:spTree>
-      <p:nvGrpSpPr>
-        <p:cNvPr id="1" name=""/>
-        <p:cNvGrpSpPr/>
-        <p:nvPr/>
-      </p:nvGrpSpPr>
-      <p:grpSpPr>
-        <a:xfrm>
-          <a:off x="0" y="0"/>
-          <a:ext cx="0" cy="0"/>
-          <a:chOff x="0" y="0"/>
-          <a:chExt cx="0" cy="0"/>
-        </a:xfrm>
-      </p:grpSpPr>
-      <p:sp>
-        <p:nvSpPr>
-          <p:cNvPr id="2" name="Title 1">
-            <a:extLst>
-              <a:ext uri="{FF2B5EF4-FFF2-40B4-BE49-F238E27FC236}">
                 <a16:creationId xmlns:a16="http://schemas.microsoft.com/office/drawing/2014/main" id="{69FAE308-3076-43DB-B834-DA0B0AE19AF9}"/>
               </a:ext>
             </a:extLst>
@@ -13413,7 +13244,7 @@
             <a:fld id="{495D8227-9DE4-4D42-8C1B-E10C828BC634}" type="datetime1">
               <a:rPr lang="en-US" smtClean="0"/>
               <a:pPr/>
-              <a:t>6/21/2022</a:t>
+              <a:t>6/22/2022</a:t>
             </a:fld>
             <a:endParaRPr lang="en-US" dirty="0"/>
           </a:p>
@@ -13580,7 +13411,7 @@
           <a:p>
             <a:r>
               <a:rPr lang="en-US" dirty="0"/>
-              <a:t>Hello!  My name is Delia, and I will be discussing the process of my first Big Data program project.  This foundation project will be a movie rating project.</a:t>
+              <a:t>Hello!  My name is Delia, and I will be discussing the process of my first Big Data program project.  This foundation project will be focused on movie ratings. </a:t>
             </a:r>
           </a:p>
         </p:txBody>
@@ -13614,7 +13445,7 @@
             <a:fld id="{E1707CF3-9BC4-A745-ACDA-A73543D800FE}" type="datetime1">
               <a:rPr lang="en-US" smtClean="0"/>
               <a:pPr/>
-              <a:t>6/21/2022</a:t>
+              <a:t>6/22/2022</a:t>
             </a:fld>
             <a:endParaRPr lang="en-US" dirty="0"/>
           </a:p>
@@ -14188,7 +14019,7 @@
           <a:p>
             <a:fld id="{4CF75428-5BE0-934D-BB71-675F8E23A386}" type="datetime1">
               <a:rPr lang="en-US" smtClean="0"/>
-              <a:t>6/21/2022</a:t>
+              <a:t>6/22/2022</a:t>
             </a:fld>
             <a:endParaRPr lang="en-US" dirty="0"/>
           </a:p>
@@ -14566,7 +14397,7 @@
             <a:fld id="{A42FF1E2-60E5-C540-AA54-7072D5406B0B}" type="datetime1">
               <a:rPr lang="en-US" smtClean="0"/>
               <a:pPr/>
-              <a:t>6/21/2022</a:t>
+              <a:t>6/22/2022</a:t>
             </a:fld>
             <a:endParaRPr lang="en-US" dirty="0"/>
           </a:p>
@@ -15150,6 +14981,25 @@
 </file>
 
 <file path=customXml/item1.xml><?xml version="1.0" encoding="utf-8"?>
+<p:properties xmlns:p="http://schemas.microsoft.com/office/2006/metadata/properties" xmlns:xsi="http://www.w3.org/2001/XMLSchema-instance" xmlns:pc="http://schemas.microsoft.com/office/infopath/2007/PartnerControls">
+  <documentManagement>
+    <_ip_UnifiedCompliancePolicyUIAction xmlns="http://schemas.microsoft.com/sharepoint/v3" xsi:nil="true"/>
+    <Image xmlns="71af3243-3dd4-4a8d-8c0d-dd76da1f02a5">
+      <Url xsi:nil="true"/>
+      <Description xsi:nil="true"/>
+    </Image>
+    <Status xmlns="71af3243-3dd4-4a8d-8c0d-dd76da1f02a5">Not started</Status>
+    <_ip_UnifiedCompliancePolicyProperties xmlns="http://schemas.microsoft.com/sharepoint/v3" xsi:nil="true"/>
+    <ImageTagsTaxHTField xmlns="71af3243-3dd4-4a8d-8c0d-dd76da1f02a5">
+      <Terms xmlns="http://schemas.microsoft.com/office/infopath/2007/PartnerControls"/>
+    </ImageTagsTaxHTField>
+    <TaxCatchAll xmlns="230e9df3-be65-4c73-a93b-d1236ebd677e"/>
+    <MediaServiceKeyPoints xmlns="71af3243-3dd4-4a8d-8c0d-dd76da1f02a5" xsi:nil="true"/>
+  </documentManagement>
+</p:properties>
+</file>
+
+<file path=customXml/item2.xml><?xml version="1.0" encoding="utf-8"?>
 <ct:contentTypeSchema xmlns:ct="http://schemas.microsoft.com/office/2006/metadata/contentType" xmlns:ma="http://schemas.microsoft.com/office/2006/metadata/properties/metaAttributes" ct:_="" ma:_="" ma:contentTypeName="Document" ma:contentTypeID="0x01010079F111ED35F8CC479449609E8A0923A6" ma:contentTypeVersion="21" ma:contentTypeDescription="Create a new document." ma:contentTypeScope="" ma:versionID="64dfb1555687e0874b4304b796b5b0c7">
   <xsd:schema xmlns:xsd="http://www.w3.org/2001/XMLSchema" xmlns:xs="http://www.w3.org/2001/XMLSchema" xmlns:p="http://schemas.microsoft.com/office/2006/metadata/properties" xmlns:ns1="http://schemas.microsoft.com/sharepoint/v3" xmlns:ns2="71af3243-3dd4-4a8d-8c0d-dd76da1f02a5" xmlns:ns3="16c05727-aa75-4e4a-9b5f-8a80a1165891" xmlns:ns4="230e9df3-be65-4c73-a93b-d1236ebd677e" targetNamespace="http://schemas.microsoft.com/office/2006/metadata/properties" ma:root="true" ma:fieldsID="e6e4c555b5e194d05b7203de9c4567b3" ns1:_="" ns2:_="" ns3:_="" ns4:_="">
     <xsd:import namespace="http://schemas.microsoft.com/sharepoint/v3"/>
@@ -15431,25 +15281,6 @@
 </ct:contentTypeSchema>
 </file>
 
-<file path=customXml/item2.xml><?xml version="1.0" encoding="utf-8"?>
-<p:properties xmlns:p="http://schemas.microsoft.com/office/2006/metadata/properties" xmlns:xsi="http://www.w3.org/2001/XMLSchema-instance" xmlns:pc="http://schemas.microsoft.com/office/infopath/2007/PartnerControls">
-  <documentManagement>
-    <_ip_UnifiedCompliancePolicyUIAction xmlns="http://schemas.microsoft.com/sharepoint/v3" xsi:nil="true"/>
-    <Image xmlns="71af3243-3dd4-4a8d-8c0d-dd76da1f02a5">
-      <Url xsi:nil="true"/>
-      <Description xsi:nil="true"/>
-    </Image>
-    <Status xmlns="71af3243-3dd4-4a8d-8c0d-dd76da1f02a5">Not started</Status>
-    <_ip_UnifiedCompliancePolicyProperties xmlns="http://schemas.microsoft.com/sharepoint/v3" xsi:nil="true"/>
-    <ImageTagsTaxHTField xmlns="71af3243-3dd4-4a8d-8c0d-dd76da1f02a5">
-      <Terms xmlns="http://schemas.microsoft.com/office/infopath/2007/PartnerControls"/>
-    </ImageTagsTaxHTField>
-    <TaxCatchAll xmlns="230e9df3-be65-4c73-a93b-d1236ebd677e"/>
-    <MediaServiceKeyPoints xmlns="71af3243-3dd4-4a8d-8c0d-dd76da1f02a5" xsi:nil="true"/>
-  </documentManagement>
-</p:properties>
-</file>
-
 <file path=customXml/item3.xml><?xml version="1.0" encoding="utf-8"?>
 <?mso-contentType ?>
 <FormTemplates xmlns="http://schemas.microsoft.com/sharepoint/v3/contenttype/forms">
@@ -15460,6 +15291,18 @@
 </file>
 
 <file path=customXml/itemProps1.xml><?xml version="1.0" encoding="utf-8"?>
+<ds:datastoreItem xmlns:ds="http://schemas.openxmlformats.org/officeDocument/2006/customXml" ds:itemID="{4D5BAB77-79E1-4739-AA51-10C9079186D6}">
+  <ds:schemaRefs>
+    <ds:schemaRef ds:uri="http://schemas.microsoft.com/office/2006/metadata/properties"/>
+    <ds:schemaRef ds:uri="http://schemas.microsoft.com/office/infopath/2007/PartnerControls"/>
+    <ds:schemaRef ds:uri="http://schemas.microsoft.com/sharepoint/v3"/>
+    <ds:schemaRef ds:uri="71af3243-3dd4-4a8d-8c0d-dd76da1f02a5"/>
+    <ds:schemaRef ds:uri="230e9df3-be65-4c73-a93b-d1236ebd677e"/>
+  </ds:schemaRefs>
+</ds:datastoreItem>
+</file>
+
+<file path=customXml/itemProps2.xml><?xml version="1.0" encoding="utf-8"?>
 <ds:datastoreItem xmlns:ds="http://schemas.openxmlformats.org/officeDocument/2006/customXml" ds:itemID="{4A615295-94F6-4CE2-A1B1-6B7E1DAA5AD6}">
   <ds:schemaRefs>
     <ds:schemaRef ds:uri="http://schemas.microsoft.com/office/2006/metadata/contentType"/>
@@ -15480,18 +15323,6 @@
 </ds:datastoreItem>
 </file>
 
-<file path=customXml/itemProps2.xml><?xml version="1.0" encoding="utf-8"?>
-<ds:datastoreItem xmlns:ds="http://schemas.openxmlformats.org/officeDocument/2006/customXml" ds:itemID="{4D5BAB77-79E1-4739-AA51-10C9079186D6}">
-  <ds:schemaRefs>
-    <ds:schemaRef ds:uri="http://schemas.microsoft.com/office/2006/metadata/properties"/>
-    <ds:schemaRef ds:uri="http://schemas.microsoft.com/office/infopath/2007/PartnerControls"/>
-    <ds:schemaRef ds:uri="http://schemas.microsoft.com/sharepoint/v3"/>
-    <ds:schemaRef ds:uri="71af3243-3dd4-4a8d-8c0d-dd76da1f02a5"/>
-    <ds:schemaRef ds:uri="230e9df3-be65-4c73-a93b-d1236ebd677e"/>
-  </ds:schemaRefs>
-</ds:datastoreItem>
-</file>
-
 <file path=customXml/itemProps3.xml><?xml version="1.0" encoding="utf-8"?>
 <ds:datastoreItem xmlns:ds="http://schemas.openxmlformats.org/officeDocument/2006/customXml" ds:itemID="{85334180-0405-413B-834A-44FA9E05ADB7}">
   <ds:schemaRefs>

--- a/Foundation Project_PP.pptx
+++ b/Foundation Project_PP.pptx
@@ -141,10 +141,25 @@
   <pc:docChgLst>
     <pc:chgData name="Suirravin40@outlook.com" userId="e6d8cc50914abe85" providerId="LiveId" clId="{6A356551-6096-4E2B-B44C-C0F810185208}"/>
     <pc:docChg chg="delSld modSld">
-      <pc:chgData name="Suirravin40@outlook.com" userId="e6d8cc50914abe85" providerId="LiveId" clId="{6A356551-6096-4E2B-B44C-C0F810185208}" dt="2022-06-22T19:30:37.478" v="34" actId="2696"/>
+      <pc:chgData name="Suirravin40@outlook.com" userId="e6d8cc50914abe85" providerId="LiveId" clId="{6A356551-6096-4E2B-B44C-C0F810185208}" dt="2022-06-23T21:26:41.314" v="35" actId="20577"/>
       <pc:docMkLst>
         <pc:docMk/>
       </pc:docMkLst>
+      <pc:sldChg chg="modSp mod">
+        <pc:chgData name="Suirravin40@outlook.com" userId="e6d8cc50914abe85" providerId="LiveId" clId="{6A356551-6096-4E2B-B44C-C0F810185208}" dt="2022-06-23T21:26:41.314" v="35" actId="20577"/>
+        <pc:sldMkLst>
+          <pc:docMk/>
+          <pc:sldMk cId="1325608595" sldId="257"/>
+        </pc:sldMkLst>
+        <pc:spChg chg="mod">
+          <ac:chgData name="Suirravin40@outlook.com" userId="e6d8cc50914abe85" providerId="LiveId" clId="{6A356551-6096-4E2B-B44C-C0F810185208}" dt="2022-06-23T21:26:41.314" v="35" actId="20577"/>
+          <ac:spMkLst>
+            <pc:docMk/>
+            <pc:sldMk cId="1325608595" sldId="257"/>
+            <ac:spMk id="3" creationId="{22788C46-D0BC-4307-AE55-7601A139E7CB}"/>
+          </ac:spMkLst>
+        </pc:spChg>
+      </pc:sldChg>
       <pc:sldChg chg="modSp mod">
         <pc:chgData name="Suirravin40@outlook.com" userId="e6d8cc50914abe85" providerId="LiveId" clId="{6A356551-6096-4E2B-B44C-C0F810185208}" dt="2022-06-22T15:44:59.282" v="33" actId="20577"/>
         <pc:sldMkLst>
@@ -254,7 +269,7 @@
           <a:p>
             <a:fld id="{7487ADD9-2083-264C-A652-8D52D02F7E72}" type="datetimeFigureOut">
               <a:rPr lang="en-US" smtClean="0"/>
-              <a:t>6/22/2022</a:t>
+              <a:t>6/23/2022</a:t>
             </a:fld>
             <a:endParaRPr lang="en-US" dirty="0"/>
           </a:p>
@@ -1911,7 +1926,7 @@
             <a:fld id="{5F02DCD1-2C6B-F948-9F72-3BB0CF3D512E}" type="datetime1">
               <a:rPr lang="en-US" smtClean="0"/>
               <a:pPr/>
-              <a:t>6/22/2022</a:t>
+              <a:t>6/23/2022</a:t>
             </a:fld>
             <a:endParaRPr lang="en-US" dirty="0"/>
           </a:p>
@@ -2796,7 +2811,7 @@
             <a:fld id="{C1583C39-01BF-7F43-854C-FBB4E9AB6B0C}" type="datetime1">
               <a:rPr lang="en-US" smtClean="0"/>
               <a:pPr/>
-              <a:t>6/22/2022</a:t>
+              <a:t>6/23/2022</a:t>
             </a:fld>
             <a:endParaRPr lang="en-US" dirty="0"/>
           </a:p>
@@ -3973,7 +3988,7 @@
             <a:fld id="{4B103E64-1627-9140-8127-1849FED275E1}" type="datetime1">
               <a:rPr lang="en-US" smtClean="0"/>
               <a:pPr/>
-              <a:t>6/22/2022</a:t>
+              <a:t>6/23/2022</a:t>
             </a:fld>
             <a:endParaRPr lang="en-US" dirty="0"/>
           </a:p>
@@ -6053,7 +6068,7 @@
             <a:fld id="{DD9C8446-696E-6942-B6C8-CC9CAD0B34E0}" type="datetime1">
               <a:rPr lang="en-US" smtClean="0"/>
               <a:pPr/>
-              <a:t>6/22/2022</a:t>
+              <a:t>6/23/2022</a:t>
             </a:fld>
             <a:endParaRPr lang="en-US" dirty="0"/>
           </a:p>
@@ -6771,7 +6786,7 @@
             <a:fld id="{F5592931-05C6-8543-8B6E-A8BD29BD5C2B}" type="datetime1">
               <a:rPr lang="en-US" smtClean="0"/>
               <a:pPr/>
-              <a:t>6/22/2022</a:t>
+              <a:t>6/23/2022</a:t>
             </a:fld>
             <a:endParaRPr lang="en-US" dirty="0"/>
           </a:p>
@@ -7999,7 +8014,7 @@
             <a:fld id="{7E7AB22C-8B7E-9B4A-8C65-396C3C874D86}" type="datetime1">
               <a:rPr lang="en-US" smtClean="0"/>
               <a:pPr/>
-              <a:t>6/22/2022</a:t>
+              <a:t>6/23/2022</a:t>
             </a:fld>
             <a:endParaRPr lang="en-US" dirty="0"/>
           </a:p>
@@ -8591,7 +8606,7 @@
             <a:fld id="{8CE9AC2A-20AD-8C48-B5EB-B5322BDBCDEE}" type="datetime1">
               <a:rPr lang="en-US" smtClean="0"/>
               <a:pPr/>
-              <a:t>6/22/2022</a:t>
+              <a:t>6/23/2022</a:t>
             </a:fld>
             <a:endParaRPr lang="en-US" dirty="0"/>
           </a:p>
@@ -9064,7 +9079,7 @@
             <a:fld id="{4CF75428-5BE0-934D-BB71-675F8E23A386}" type="datetime1">
               <a:rPr lang="en-US" smtClean="0"/>
               <a:pPr/>
-              <a:t>6/22/2022</a:t>
+              <a:t>6/23/2022</a:t>
             </a:fld>
             <a:endParaRPr lang="en-US" dirty="0"/>
           </a:p>
@@ -9914,7 +9929,7 @@
             <a:fld id="{9A85C5CA-AE29-AB4C-8F85-0373C72001D8}" type="datetime1">
               <a:rPr lang="en-US" smtClean="0"/>
               <a:pPr/>
-              <a:t>6/22/2022</a:t>
+              <a:t>6/23/2022</a:t>
             </a:fld>
             <a:endParaRPr lang="en-US" dirty="0"/>
           </a:p>
@@ -12139,7 +12154,7 @@
             <a:fld id="{75594855-01E8-5A4B-B2B8-E2ECEF879100}" type="datetime1">
               <a:rPr lang="en-US" smtClean="0"/>
               <a:pPr/>
-              <a:t>6/22/2022</a:t>
+              <a:t>6/23/2022</a:t>
             </a:fld>
             <a:endParaRPr lang="en-US" dirty="0"/>
           </a:p>
@@ -12408,7 +12423,7 @@
             <a:fld id="{B562DF68-3089-814D-8A14-C651FE91885E}" type="datetime1">
               <a:rPr lang="en-US" smtClean="0"/>
               <a:pPr/>
-              <a:t>6/22/2022</a:t>
+              <a:t>6/23/2022</a:t>
             </a:fld>
             <a:endParaRPr lang="en-US" dirty="0"/>
           </a:p>
@@ -13205,12 +13220,6 @@
             </a:r>
           </a:p>
           <a:p>
-            <a:r>
-              <a:rPr lang="en-US" dirty="0"/>
-              <a:t>Summary</a:t>
-            </a:r>
-          </a:p>
-          <a:p>
             <a:endParaRPr lang="en-US" dirty="0"/>
           </a:p>
         </p:txBody>
@@ -13244,7 +13253,7 @@
             <a:fld id="{495D8227-9DE4-4D42-8C1B-E10C828BC634}" type="datetime1">
               <a:rPr lang="en-US" smtClean="0"/>
               <a:pPr/>
-              <a:t>6/22/2022</a:t>
+              <a:t>6/23/2022</a:t>
             </a:fld>
             <a:endParaRPr lang="en-US" dirty="0"/>
           </a:p>
@@ -13445,7 +13454,7 @@
             <a:fld id="{E1707CF3-9BC4-A745-ACDA-A73543D800FE}" type="datetime1">
               <a:rPr lang="en-US" smtClean="0"/>
               <a:pPr/>
-              <a:t>6/22/2022</a:t>
+              <a:t>6/23/2022</a:t>
             </a:fld>
             <a:endParaRPr lang="en-US" dirty="0"/>
           </a:p>
@@ -14019,7 +14028,7 @@
           <a:p>
             <a:fld id="{4CF75428-5BE0-934D-BB71-675F8E23A386}" type="datetime1">
               <a:rPr lang="en-US" smtClean="0"/>
-              <a:t>6/22/2022</a:t>
+              <a:t>6/23/2022</a:t>
             </a:fld>
             <a:endParaRPr lang="en-US" dirty="0"/>
           </a:p>
@@ -14397,7 +14406,7 @@
             <a:fld id="{A42FF1E2-60E5-C540-AA54-7072D5406B0B}" type="datetime1">
               <a:rPr lang="en-US" smtClean="0"/>
               <a:pPr/>
-              <a:t>6/22/2022</a:t>
+              <a:t>6/23/2022</a:t>
             </a:fld>
             <a:endParaRPr lang="en-US" dirty="0"/>
           </a:p>
@@ -14981,25 +14990,6 @@
 </file>
 
 <file path=customXml/item1.xml><?xml version="1.0" encoding="utf-8"?>
-<p:properties xmlns:p="http://schemas.microsoft.com/office/2006/metadata/properties" xmlns:xsi="http://www.w3.org/2001/XMLSchema-instance" xmlns:pc="http://schemas.microsoft.com/office/infopath/2007/PartnerControls">
-  <documentManagement>
-    <_ip_UnifiedCompliancePolicyUIAction xmlns="http://schemas.microsoft.com/sharepoint/v3" xsi:nil="true"/>
-    <Image xmlns="71af3243-3dd4-4a8d-8c0d-dd76da1f02a5">
-      <Url xsi:nil="true"/>
-      <Description xsi:nil="true"/>
-    </Image>
-    <Status xmlns="71af3243-3dd4-4a8d-8c0d-dd76da1f02a5">Not started</Status>
-    <_ip_UnifiedCompliancePolicyProperties xmlns="http://schemas.microsoft.com/sharepoint/v3" xsi:nil="true"/>
-    <ImageTagsTaxHTField xmlns="71af3243-3dd4-4a8d-8c0d-dd76da1f02a5">
-      <Terms xmlns="http://schemas.microsoft.com/office/infopath/2007/PartnerControls"/>
-    </ImageTagsTaxHTField>
-    <TaxCatchAll xmlns="230e9df3-be65-4c73-a93b-d1236ebd677e"/>
-    <MediaServiceKeyPoints xmlns="71af3243-3dd4-4a8d-8c0d-dd76da1f02a5" xsi:nil="true"/>
-  </documentManagement>
-</p:properties>
-</file>
-
-<file path=customXml/item2.xml><?xml version="1.0" encoding="utf-8"?>
 <ct:contentTypeSchema xmlns:ct="http://schemas.microsoft.com/office/2006/metadata/contentType" xmlns:ma="http://schemas.microsoft.com/office/2006/metadata/properties/metaAttributes" ct:_="" ma:_="" ma:contentTypeName="Document" ma:contentTypeID="0x01010079F111ED35F8CC479449609E8A0923A6" ma:contentTypeVersion="21" ma:contentTypeDescription="Create a new document." ma:contentTypeScope="" ma:versionID="64dfb1555687e0874b4304b796b5b0c7">
   <xsd:schema xmlns:xsd="http://www.w3.org/2001/XMLSchema" xmlns:xs="http://www.w3.org/2001/XMLSchema" xmlns:p="http://schemas.microsoft.com/office/2006/metadata/properties" xmlns:ns1="http://schemas.microsoft.com/sharepoint/v3" xmlns:ns2="71af3243-3dd4-4a8d-8c0d-dd76da1f02a5" xmlns:ns3="16c05727-aa75-4e4a-9b5f-8a80a1165891" xmlns:ns4="230e9df3-be65-4c73-a93b-d1236ebd677e" targetNamespace="http://schemas.microsoft.com/office/2006/metadata/properties" ma:root="true" ma:fieldsID="e6e4c555b5e194d05b7203de9c4567b3" ns1:_="" ns2:_="" ns3:_="" ns4:_="">
     <xsd:import namespace="http://schemas.microsoft.com/sharepoint/v3"/>
@@ -15281,6 +15271,25 @@
 </ct:contentTypeSchema>
 </file>
 
+<file path=customXml/item2.xml><?xml version="1.0" encoding="utf-8"?>
+<p:properties xmlns:p="http://schemas.microsoft.com/office/2006/metadata/properties" xmlns:xsi="http://www.w3.org/2001/XMLSchema-instance" xmlns:pc="http://schemas.microsoft.com/office/infopath/2007/PartnerControls">
+  <documentManagement>
+    <_ip_UnifiedCompliancePolicyUIAction xmlns="http://schemas.microsoft.com/sharepoint/v3" xsi:nil="true"/>
+    <Image xmlns="71af3243-3dd4-4a8d-8c0d-dd76da1f02a5">
+      <Url xsi:nil="true"/>
+      <Description xsi:nil="true"/>
+    </Image>
+    <Status xmlns="71af3243-3dd4-4a8d-8c0d-dd76da1f02a5">Not started</Status>
+    <_ip_UnifiedCompliancePolicyProperties xmlns="http://schemas.microsoft.com/sharepoint/v3" xsi:nil="true"/>
+    <ImageTagsTaxHTField xmlns="71af3243-3dd4-4a8d-8c0d-dd76da1f02a5">
+      <Terms xmlns="http://schemas.microsoft.com/office/infopath/2007/PartnerControls"/>
+    </ImageTagsTaxHTField>
+    <TaxCatchAll xmlns="230e9df3-be65-4c73-a93b-d1236ebd677e"/>
+    <MediaServiceKeyPoints xmlns="71af3243-3dd4-4a8d-8c0d-dd76da1f02a5" xsi:nil="true"/>
+  </documentManagement>
+</p:properties>
+</file>
+
 <file path=customXml/item3.xml><?xml version="1.0" encoding="utf-8"?>
 <?mso-contentType ?>
 <FormTemplates xmlns="http://schemas.microsoft.com/sharepoint/v3/contenttype/forms">
@@ -15291,18 +15300,6 @@
 </file>
 
 <file path=customXml/itemProps1.xml><?xml version="1.0" encoding="utf-8"?>
-<ds:datastoreItem xmlns:ds="http://schemas.openxmlformats.org/officeDocument/2006/customXml" ds:itemID="{4D5BAB77-79E1-4739-AA51-10C9079186D6}">
-  <ds:schemaRefs>
-    <ds:schemaRef ds:uri="http://schemas.microsoft.com/office/2006/metadata/properties"/>
-    <ds:schemaRef ds:uri="http://schemas.microsoft.com/office/infopath/2007/PartnerControls"/>
-    <ds:schemaRef ds:uri="http://schemas.microsoft.com/sharepoint/v3"/>
-    <ds:schemaRef ds:uri="71af3243-3dd4-4a8d-8c0d-dd76da1f02a5"/>
-    <ds:schemaRef ds:uri="230e9df3-be65-4c73-a93b-d1236ebd677e"/>
-  </ds:schemaRefs>
-</ds:datastoreItem>
-</file>
-
-<file path=customXml/itemProps2.xml><?xml version="1.0" encoding="utf-8"?>
 <ds:datastoreItem xmlns:ds="http://schemas.openxmlformats.org/officeDocument/2006/customXml" ds:itemID="{4A615295-94F6-4CE2-A1B1-6B7E1DAA5AD6}">
   <ds:schemaRefs>
     <ds:schemaRef ds:uri="http://schemas.microsoft.com/office/2006/metadata/contentType"/>
@@ -15323,6 +15320,18 @@
 </ds:datastoreItem>
 </file>
 
+<file path=customXml/itemProps2.xml><?xml version="1.0" encoding="utf-8"?>
+<ds:datastoreItem xmlns:ds="http://schemas.openxmlformats.org/officeDocument/2006/customXml" ds:itemID="{4D5BAB77-79E1-4739-AA51-10C9079186D6}">
+  <ds:schemaRefs>
+    <ds:schemaRef ds:uri="http://schemas.microsoft.com/office/2006/metadata/properties"/>
+    <ds:schemaRef ds:uri="http://schemas.microsoft.com/office/infopath/2007/PartnerControls"/>
+    <ds:schemaRef ds:uri="http://schemas.microsoft.com/sharepoint/v3"/>
+    <ds:schemaRef ds:uri="71af3243-3dd4-4a8d-8c0d-dd76da1f02a5"/>
+    <ds:schemaRef ds:uri="230e9df3-be65-4c73-a93b-d1236ebd677e"/>
+  </ds:schemaRefs>
+</ds:datastoreItem>
+</file>
+
 <file path=customXml/itemProps3.xml><?xml version="1.0" encoding="utf-8"?>
 <ds:datastoreItem xmlns:ds="http://schemas.openxmlformats.org/officeDocument/2006/customXml" ds:itemID="{85334180-0405-413B-834A-44FA9E05ADB7}">
   <ds:schemaRefs>
